--- a/Сайт.pptx
+++ b/Сайт.pptx
@@ -4511,6 +4511,37 @@
               </a:rPr>
               <a:t>.</a:t>
             </a:r>
+          </a:p>
+          <a:p>
+            <a:pPr marL="0" indent="0" algn="just">
+              <a:buNone/>
+            </a:pPr>
+            <a:r>
+              <a:rPr lang="ru-RU" sz="2000" dirty="0">
+                <a:latin typeface="Times New Roman" panose="02020603050405020304" pitchFamily="18" charset="0"/>
+                <a:cs typeface="Times New Roman" panose="02020603050405020304" pitchFamily="18" charset="0"/>
+              </a:rPr>
+              <a:t>Доработки:</a:t>
+            </a:r>
+          </a:p>
+          <a:p>
+            <a:pPr marL="0" indent="0" algn="just">
+              <a:buNone/>
+            </a:pPr>
+            <a:r>
+              <a:rPr lang="ru-RU" sz="2000" dirty="0">
+                <a:latin typeface="Times New Roman" panose="02020603050405020304" pitchFamily="18" charset="0"/>
+                <a:cs typeface="Times New Roman" panose="02020603050405020304" pitchFamily="18" charset="0"/>
+              </a:rPr>
+              <a:t>	Доделать отображение и покупку товаров у повара </a:t>
+            </a:r>
+            <a:r>
+              <a:rPr lang="ru-RU" sz="2000">
+                <a:latin typeface="Times New Roman" panose="02020603050405020304" pitchFamily="18" charset="0"/>
+                <a:cs typeface="Times New Roman" panose="02020603050405020304" pitchFamily="18" charset="0"/>
+              </a:rPr>
+              <a:t>и учителя</a:t>
+            </a:r>
             <a:endParaRPr lang="ru-RU" sz="2000" dirty="0">
               <a:latin typeface="Times New Roman" panose="02020603050405020304" pitchFamily="18" charset="0"/>
               <a:cs typeface="Times New Roman" panose="02020603050405020304" pitchFamily="18" charset="0"/>
